--- a/Intro to VR 4 - Navigation.pptx
+++ b/Intro to VR 4 - Navigation.pptx
@@ -344,7 +344,7 @@
           <a:p>
             <a:fld id="{2613C7C5-60D5-4A05-AD5C-79CC3C322401}" type="datetimeFigureOut">
               <a:rPr lang="en-US" smtClean="0"/>
-              <a:t>2/18/2019</a:t>
+              <a:t>4/7/2019</a:t>
             </a:fld>
             <a:endParaRPr lang="en-US"/>
           </a:p>
@@ -552,7 +552,7 @@
           <a:p>
             <a:fld id="{2613C7C5-60D5-4A05-AD5C-79CC3C322401}" type="datetimeFigureOut">
               <a:rPr lang="en-US" smtClean="0"/>
-              <a:t>2/18/2019</a:t>
+              <a:t>4/7/2019</a:t>
             </a:fld>
             <a:endParaRPr lang="en-US"/>
           </a:p>
@@ -808,7 +808,7 @@
           <a:p>
             <a:fld id="{2613C7C5-60D5-4A05-AD5C-79CC3C322401}" type="datetimeFigureOut">
               <a:rPr lang="en-US" smtClean="0"/>
-              <a:t>2/18/2019</a:t>
+              <a:t>4/7/2019</a:t>
             </a:fld>
             <a:endParaRPr lang="en-US"/>
           </a:p>
@@ -982,7 +982,7 @@
           <a:p>
             <a:fld id="{2613C7C5-60D5-4A05-AD5C-79CC3C322401}" type="datetimeFigureOut">
               <a:rPr lang="en-US" smtClean="0"/>
-              <a:t>2/18/2019</a:t>
+              <a:t>4/7/2019</a:t>
             </a:fld>
             <a:endParaRPr lang="en-US"/>
           </a:p>
@@ -1325,7 +1325,7 @@
           <a:p>
             <a:fld id="{2613C7C5-60D5-4A05-AD5C-79CC3C322401}" type="datetimeFigureOut">
               <a:rPr lang="en-US" smtClean="0"/>
-              <a:t>2/18/2019</a:t>
+              <a:t>4/7/2019</a:t>
             </a:fld>
             <a:endParaRPr lang="en-US"/>
           </a:p>
@@ -1600,7 +1600,7 @@
           <a:p>
             <a:fld id="{2613C7C5-60D5-4A05-AD5C-79CC3C322401}" type="datetimeFigureOut">
               <a:rPr lang="en-US" smtClean="0"/>
-              <a:t>2/18/2019</a:t>
+              <a:t>4/7/2019</a:t>
             </a:fld>
             <a:endParaRPr lang="en-US"/>
           </a:p>
@@ -1979,7 +1979,7 @@
           <a:p>
             <a:fld id="{2613C7C5-60D5-4A05-AD5C-79CC3C322401}" type="datetimeFigureOut">
               <a:rPr lang="en-US" smtClean="0"/>
-              <a:t>2/18/2019</a:t>
+              <a:t>4/7/2019</a:t>
             </a:fld>
             <a:endParaRPr lang="en-US"/>
           </a:p>
@@ -2097,7 +2097,7 @@
           <a:p>
             <a:fld id="{2613C7C5-60D5-4A05-AD5C-79CC3C322401}" type="datetimeFigureOut">
               <a:rPr lang="en-US" smtClean="0"/>
-              <a:t>2/18/2019</a:t>
+              <a:t>4/7/2019</a:t>
             </a:fld>
             <a:endParaRPr lang="en-US"/>
           </a:p>
@@ -2268,7 +2268,7 @@
           <a:p>
             <a:fld id="{2613C7C5-60D5-4A05-AD5C-79CC3C322401}" type="datetimeFigureOut">
               <a:rPr lang="en-US" smtClean="0"/>
-              <a:t>2/18/2019</a:t>
+              <a:t>4/7/2019</a:t>
             </a:fld>
             <a:endParaRPr lang="en-US"/>
           </a:p>
@@ -2622,7 +2622,7 @@
           <a:p>
             <a:fld id="{2613C7C5-60D5-4A05-AD5C-79CC3C322401}" type="datetimeFigureOut">
               <a:rPr lang="en-US" smtClean="0"/>
-              <a:t>2/18/2019</a:t>
+              <a:t>4/7/2019</a:t>
             </a:fld>
             <a:endParaRPr lang="en-US"/>
           </a:p>
@@ -3004,7 +3004,7 @@
           <a:p>
             <a:fld id="{2613C7C5-60D5-4A05-AD5C-79CC3C322401}" type="datetimeFigureOut">
               <a:rPr lang="en-US" smtClean="0"/>
-              <a:t>2/18/2019</a:t>
+              <a:t>4/7/2019</a:t>
             </a:fld>
             <a:endParaRPr lang="en-US"/>
           </a:p>
@@ -3291,7 +3291,7 @@
           <a:p>
             <a:fld id="{2613C7C5-60D5-4A05-AD5C-79CC3C322401}" type="datetimeFigureOut">
               <a:rPr lang="en-US" smtClean="0"/>
-              <a:t>2/18/2019</a:t>
+              <a:t>4/7/2019</a:t>
             </a:fld>
             <a:endParaRPr lang="en-US"/>
           </a:p>
@@ -4468,7 +4468,12 @@
             <p:ph idx="1"/>
           </p:nvPr>
         </p:nvSpPr>
-        <p:spPr/>
+        <p:spPr>
+          <a:xfrm>
+            <a:off x="1097280" y="1845734"/>
+            <a:ext cx="5242560" cy="4023360"/>
+          </a:xfrm>
+        </p:spPr>
         <p:txBody>
           <a:bodyPr/>
           <a:lstStyle/>
@@ -4512,8 +4517,88 @@
               <a:t> Works well for standing, sitting, and room scale</a:t>
             </a:r>
           </a:p>
-        </p:txBody>
-      </p:sp>
+          <a:p>
+            <a:pPr>
+              <a:buFont typeface="Arial" panose="020B0604020202020204" pitchFamily="34" charset="0"/>
+              <a:buChar char="•"/>
+            </a:pPr>
+            <a:r>
+              <a:rPr lang="en-US" dirty="0"/>
+              <a:t>Start by adding a player controller to the scene</a:t>
+            </a:r>
+          </a:p>
+          <a:p>
+            <a:pPr lvl="1">
+              <a:buFont typeface="Arial" panose="020B0604020202020204" pitchFamily="34" charset="0"/>
+              <a:buChar char="•"/>
+            </a:pPr>
+            <a:r>
+              <a:rPr lang="en-US" dirty="0"/>
+              <a:t>Assets &gt; </a:t>
+            </a:r>
+            <a:r>
+              <a:rPr lang="en-US" dirty="0" err="1"/>
+              <a:t>SteamVR</a:t>
+            </a:r>
+            <a:r>
+              <a:rPr lang="en-US" dirty="0"/>
+              <a:t> &gt; </a:t>
+            </a:r>
+            <a:r>
+              <a:rPr lang="en-US" dirty="0" err="1"/>
+              <a:t>InteractionSystem</a:t>
+            </a:r>
+            <a:r>
+              <a:rPr lang="en-US" dirty="0"/>
+              <a:t> &gt; Core &gt; Prefabs &gt; Player</a:t>
+            </a:r>
+          </a:p>
+          <a:p>
+            <a:pPr>
+              <a:buFont typeface="Arial" panose="020B0604020202020204" pitchFamily="34" charset="0"/>
+              <a:buChar char="•"/>
+            </a:pPr>
+            <a:r>
+              <a:rPr lang="en-US" dirty="0"/>
+              <a:t> Like the FPS controller, this will act as your </a:t>
+            </a:r>
+            <a:r>
+              <a:rPr lang="en-US"/>
+              <a:t>player character</a:t>
+            </a:r>
+            <a:endParaRPr lang="en-US" dirty="0"/>
+          </a:p>
+        </p:txBody>
+      </p:sp>
+      <p:pic>
+        <p:nvPicPr>
+          <p:cNvPr id="4" name="Picture 3">
+            <a:extLst>
+              <a:ext uri="{FF2B5EF4-FFF2-40B4-BE49-F238E27FC236}">
+                <a16:creationId xmlns:a16="http://schemas.microsoft.com/office/drawing/2014/main" id="{B3DA8851-72D3-43C3-987B-C96DD108677A}"/>
+              </a:ext>
+            </a:extLst>
+          </p:cNvPr>
+          <p:cNvPicPr>
+            <a:picLocks noChangeAspect="1"/>
+          </p:cNvPicPr>
+          <p:nvPr/>
+        </p:nvPicPr>
+        <p:blipFill rotWithShape="1">
+          <a:blip r:embed="rId2"/>
+          <a:srcRect l="34138" t="12766" r="22092" b="34150"/>
+          <a:stretch/>
+        </p:blipFill>
+        <p:spPr>
+          <a:xfrm>
+            <a:off x="6339840" y="1845734"/>
+            <a:ext cx="4815840" cy="3285332"/>
+          </a:xfrm>
+          <a:prstGeom prst="rect">
+            <a:avLst/>
+          </a:prstGeom>
+        </p:spPr>
+      </p:pic>
     </p:spTree>
     <p:extLst>
       <p:ext uri="{BB962C8B-B14F-4D97-AF65-F5344CB8AC3E}">
@@ -5161,7 +5246,12 @@
             <p:ph idx="1"/>
           </p:nvPr>
         </p:nvSpPr>
-        <p:spPr/>
+        <p:spPr>
+          <a:xfrm>
+            <a:off x="1097280" y="1845734"/>
+            <a:ext cx="10058400" cy="1326674"/>
+          </a:xfrm>
+        </p:spPr>
         <p:txBody>
           <a:bodyPr/>
           <a:lstStyle/>
@@ -5214,7 +5304,7 @@
         </p:blipFill>
         <p:spPr>
           <a:xfrm>
-            <a:off x="4085616" y="2693762"/>
+            <a:off x="5260717" y="2731085"/>
             <a:ext cx="5894963" cy="3454118"/>
           </a:xfrm>
           <a:prstGeom prst="rect">
@@ -5222,6 +5312,41 @@
           </a:prstGeom>
         </p:spPr>
       </p:pic>
+      <p:sp>
+        <p:nvSpPr>
+          <p:cNvPr id="5" name="TextBox 4">
+            <a:extLst>
+              <a:ext uri="{FF2B5EF4-FFF2-40B4-BE49-F238E27FC236}">
+                <a16:creationId xmlns:a16="http://schemas.microsoft.com/office/drawing/2014/main" id="{8274EA6D-28E7-4E3A-9FCD-CEB3A70BD7C5}"/>
+              </a:ext>
+            </a:extLst>
+          </p:cNvPr>
+          <p:cNvSpPr txBox="1"/>
+          <p:nvPr/>
+        </p:nvSpPr>
+        <p:spPr>
+          <a:xfrm>
+            <a:off x="1097280" y="3564294"/>
+            <a:ext cx="3484051" cy="923330"/>
+          </a:xfrm>
+          <a:prstGeom prst="rect">
+            <a:avLst/>
+          </a:prstGeom>
+          <a:noFill/>
+        </p:spPr>
+        <p:txBody>
+          <a:bodyPr wrap="square" rtlCol="0">
+            <a:spAutoFit/>
+          </a:bodyPr>
+          <a:lstStyle/>
+          <a:p>
+            <a:r>
+              <a:rPr lang="en-US" dirty="0"/>
+              <a:t>You should now be able to teleport around the area as well as to each of the points</a:t>
+            </a:r>
+          </a:p>
+        </p:txBody>
+      </p:sp>
     </p:spTree>
     <p:extLst>
       <p:ext uri="{BB962C8B-B14F-4D97-AF65-F5344CB8AC3E}">
